--- a/Apresentacao/ApresentaçãoV2.pptx
+++ b/Apresentacao/ApresentaçãoV2.pptx
@@ -172,7 +172,7 @@
   </p:defaultTextStyle>
   <p:extLst>
     <p:ext uri="{EFAFB233-063F-42B5-8137-9DF3F51BA10A}">
-      <p15:sldGuideLst xmlns="" xmlns:p15="http://schemas.microsoft.com/office/powerpoint/2012/main">
+      <p15:sldGuideLst xmlns:p15="http://schemas.microsoft.com/office/powerpoint/2012/main" xmlns="">
         <p15:guide id="1" orient="horz" pos="2160">
           <p15:clr>
             <a:srgbClr val="A4A3A4"/>
@@ -287,7 +287,7 @@
             </a:pPr>
             <a:fld id="{24F2CC34-12DA-CA4B-9D5D-E5F07D2D5844}" type="datetime1">
               <a:rPr lang="en-US" smtClean="0"/>
-              <a:t>29/05/17</a:t>
+              <a:t>09/06/17</a:t>
             </a:fld>
             <a:endParaRPr lang="pt-BR" dirty="0"/>
           </a:p>
@@ -495,7 +495,7 @@
             </a:pPr>
             <a:fld id="{B22F3CA5-5B58-E542-802F-BEC39CAEAF11}" type="datetime1">
               <a:rPr lang="en-US" smtClean="0"/>
-              <a:t>29/05/17</a:t>
+              <a:t>09/06/17</a:t>
             </a:fld>
             <a:endParaRPr lang="pt-BR" dirty="0"/>
           </a:p>
@@ -5048,7 +5048,7 @@
             </a:pPr>
             <a:fld id="{3C974364-DFC2-EF4F-B857-8275172F10E2}" type="datetime8">
               <a:rPr lang="en-US" smtClean="0"/>
-              <a:t>29/05/17 11:56</a:t>
+              <a:t>09/06/17 10:14</a:t>
             </a:fld>
             <a:endParaRPr dirty="0"/>
           </a:p>
@@ -5247,7 +5247,7 @@
             </a:pPr>
             <a:fld id="{B4F5754B-B55A-BD4C-A73E-8D530E688829}" type="datetime8">
               <a:rPr lang="en-US" smtClean="0"/>
-              <a:t>29/05/17 11:56</a:t>
+              <a:t>09/06/17 10:14</a:t>
             </a:fld>
             <a:endParaRPr dirty="0"/>
           </a:p>
@@ -5615,7 +5615,7 @@
             </a:pPr>
             <a:fld id="{056DFD86-E40D-E341-8040-5C14B599E5D7}" type="datetime8">
               <a:rPr lang="en-US" smtClean="0"/>
-              <a:t>29/05/17 11:56</a:t>
+              <a:t>09/06/17 10:14</a:t>
             </a:fld>
             <a:endParaRPr dirty="0"/>
           </a:p>
@@ -5990,7 +5990,7 @@
             </a:pPr>
             <a:fld id="{348B7C29-5114-6E4F-ACB5-E86E72D2CC9F}" type="datetime8">
               <a:rPr lang="en-US" smtClean="0"/>
-              <a:t>29/05/17 11:56</a:t>
+              <a:t>09/06/17 10:14</a:t>
             </a:fld>
             <a:endParaRPr dirty="0"/>
           </a:p>
@@ -6395,7 +6395,7 @@
             </a:pPr>
             <a:fld id="{A2196B6A-F31E-C14C-9574-6EB25E8F83B9}" type="datetime8">
               <a:rPr lang="en-US" smtClean="0"/>
-              <a:t>29/05/17 11:56</a:t>
+              <a:t>09/06/17 10:14</a:t>
             </a:fld>
             <a:endParaRPr dirty="0"/>
           </a:p>
@@ -6818,7 +6818,7 @@
             </a:pPr>
             <a:fld id="{3BB07FCE-682D-1041-85BB-4F0F4A748BC3}" type="datetime8">
               <a:rPr lang="en-US" smtClean="0"/>
-              <a:t>29/05/17 11:56</a:t>
+              <a:t>09/06/17 10:14</a:t>
             </a:fld>
             <a:endParaRPr dirty="0"/>
           </a:p>
@@ -7330,7 +7330,7 @@
             </a:pPr>
             <a:fld id="{6BDBA93B-47F4-0D46-9536-7E923F6911AE}" type="datetime8">
               <a:rPr lang="en-US" smtClean="0"/>
-              <a:t>29/05/17 11:56</a:t>
+              <a:t>09/06/17 10:14</a:t>
             </a:fld>
             <a:endParaRPr dirty="0"/>
           </a:p>
@@ -7639,7 +7639,7 @@
             </a:pPr>
             <a:fld id="{46A86369-1A40-B149-B6B1-43EF348D3210}" type="datetime8">
               <a:rPr lang="en-US" smtClean="0"/>
-              <a:t>29/05/17 11:56</a:t>
+              <a:t>09/06/17 10:14</a:t>
             </a:fld>
             <a:endParaRPr dirty="0"/>
           </a:p>
@@ -7760,7 +7760,7 @@
             </a:pPr>
             <a:fld id="{83F1863E-4D78-6D45-BB91-790E1DF68EE2}" type="datetime8">
               <a:rPr lang="en-US" smtClean="0"/>
-              <a:t>29/05/17 11:56</a:t>
+              <a:t>09/06/17 10:14</a:t>
             </a:fld>
             <a:endParaRPr dirty="0"/>
           </a:p>
@@ -8205,7 +8205,7 @@
             </a:pPr>
             <a:fld id="{9011D7A8-3BE0-8543-9944-FC67E82307F5}" type="datetime8">
               <a:rPr lang="en-US" smtClean="0"/>
-              <a:t>29/05/17 11:56</a:t>
+              <a:t>09/06/17 10:14</a:t>
             </a:fld>
             <a:endParaRPr dirty="0"/>
           </a:p>
@@ -8687,7 +8687,7 @@
             </a:pPr>
             <a:fld id="{AF0C1FD0-B6A0-D946-9671-770C6ABCB5DC}" type="datetime8">
               <a:rPr lang="en-US" smtClean="0"/>
-              <a:t>29/05/17 11:56</a:t>
+              <a:t>09/06/17 10:14</a:t>
             </a:fld>
             <a:endParaRPr dirty="0"/>
           </a:p>
@@ -8968,7 +8968,7 @@
             </a:pPr>
             <a:fld id="{38F1CD12-E04B-2B40-A139-5C0B55CE35DD}" type="datetime8">
               <a:rPr lang="en-US" smtClean="0"/>
-              <a:t>29/05/17 11:56</a:t>
+              <a:t>09/06/17 10:14</a:t>
             </a:fld>
             <a:endParaRPr dirty="0"/>
           </a:p>
@@ -9796,8 +9796,8 @@
         </p:nvSpPr>
         <p:spPr>
           <a:xfrm>
-            <a:off x="179512" y="2845343"/>
-            <a:ext cx="8640960" cy="648072"/>
+            <a:off x="179512" y="2845342"/>
+            <a:ext cx="8640960" cy="1663777"/>
           </a:xfrm>
         </p:spPr>
         <p:txBody>
@@ -9806,13 +9806,10 @@
           <a:p>
             <a:pPr algn="ctr"/>
             <a:r>
-              <a:rPr lang="pt-BR" sz="2800" dirty="0" smtClean="0"/>
-              <a:t>I9Vanet: </a:t>
-            </a:r>
-            <a:r>
-              <a:rPr lang="pt-BR" sz="2800" dirty="0"/>
-              <a:t>um modelo de arquitetura de software para rede veicular em nuvem </a:t>
-            </a:r>
+              <a:rPr lang="en-US" sz="2800" dirty="0"/>
+              <a:t>A Platform for Vehicular Networks in the Cloud to Applications in Intelligent Transportation Systems </a:t>
+            </a:r>
+            <a:endParaRPr lang="en-US" sz="2800" dirty="0"/>
           </a:p>
         </p:txBody>
       </p:sp>
@@ -9848,27 +9845,11 @@
             </a:pPr>
             <a:r>
               <a:rPr sz="1600" b="1" dirty="0" smtClean="0"/>
-              <a:t>Discente: </a:t>
-            </a:r>
-            <a:r>
-              <a:rPr lang="pt-BR" sz="1600" b="1" dirty="0" smtClean="0"/>
-              <a:t>George Leite Junior</a:t>
-            </a:r>
-            <a:endParaRPr sz="1600" b="1" dirty="0" smtClean="0"/>
-          </a:p>
-          <a:p>
-            <a:pPr>
-              <a:spcBef>
-                <a:spcPts val="0"/>
-              </a:spcBef>
-            </a:pPr>
-            <a:r>
-              <a:rPr lang="pt-BR" sz="1600" b="1" dirty="0" smtClean="0"/>
-              <a:t>Orientador:</a:t>
+              <a:t>Prof</a:t>
             </a:r>
             <a:r>
               <a:rPr sz="1600" b="1" dirty="0" smtClean="0"/>
-              <a:t> Prof. Dr. </a:t>
+              <a:t>. Dr. </a:t>
             </a:r>
             <a:r>
               <a:rPr lang="pt-BR" sz="1600" b="1" dirty="0" smtClean="0"/>
@@ -9880,33 +9861,13 @@
             </a:r>
             <a:r>
               <a:rPr lang="pt-BR" sz="1600" b="1" dirty="0" smtClean="0"/>
-              <a:t>e Macedo</a:t>
+              <a:t>e </a:t>
+            </a:r>
+            <a:r>
+              <a:rPr lang="pt-BR" sz="1600" b="1" dirty="0" smtClean="0"/>
+              <a:t>Macedo</a:t>
             </a:r>
             <a:endParaRPr sz="1600" b="1" dirty="0" smtClean="0"/>
-          </a:p>
-          <a:p>
-            <a:pPr>
-              <a:spcBef>
-                <a:spcPts val="0"/>
-              </a:spcBef>
-            </a:pPr>
-            <a:r>
-              <a:rPr lang="pt-BR" sz="1600" b="1" dirty="0" err="1" smtClean="0"/>
-              <a:t>Co</a:t>
-            </a:r>
-            <a:r>
-              <a:rPr lang="pt-BR" sz="1600" b="1" dirty="0" smtClean="0"/>
-              <a:t>-orientador: Prof. Dr</a:t>
-            </a:r>
-            <a:r>
-              <a:rPr lang="pt-BR" sz="1600" b="1" dirty="0"/>
-              <a:t>. Rogerio P. C. do </a:t>
-            </a:r>
-            <a:r>
-              <a:rPr lang="pt-BR" sz="1600" b="1" dirty="0" smtClean="0"/>
-              <a:t>Nascimento</a:t>
-            </a:r>
-            <a:endParaRPr lang="pt-BR" sz="1600" b="1" dirty="0"/>
           </a:p>
         </p:txBody>
       </p:sp>
@@ -9959,7 +9920,16 @@
                 </a:solidFill>
                 <a:latin typeface="Calibri" pitchFamily="34" charset="0"/>
               </a:rPr>
-              <a:t>29/05/2017</a:t>
+              <a:t>24/06/</a:t>
+            </a:r>
+            <a:r>
+              <a:rPr lang="pt-BR" altLang="pt-BR" sz="2000" dirty="0" smtClean="0">
+                <a:solidFill>
+                  <a:srgbClr val="FFFFFF"/>
+                </a:solidFill>
+                <a:latin typeface="Calibri" pitchFamily="34" charset="0"/>
+              </a:rPr>
+              <a:t>2017</a:t>
             </a:r>
             <a:endParaRPr lang="pt-BR" altLang="pt-BR" sz="2000" dirty="0">
               <a:solidFill>
@@ -10056,7 +10026,7 @@
         </p:blipFill>
         <p:spPr bwMode="auto">
           <a:xfrm>
-            <a:off x="118316" y="297723"/>
+            <a:off x="118316" y="1506488"/>
             <a:ext cx="742950" cy="914400"/>
           </a:xfrm>
           <a:prstGeom prst="rect">
@@ -10084,8 +10054,8 @@
         </p:nvSpPr>
         <p:spPr bwMode="auto">
           <a:xfrm>
-            <a:off x="881157" y="277869"/>
-            <a:ext cx="6172908" cy="954107"/>
+            <a:off x="972235" y="1748244"/>
+            <a:ext cx="8171765" cy="430887"/>
           </a:xfrm>
           <a:prstGeom prst="rect">
             <a:avLst/>
@@ -10125,7 +10095,7 @@
           </a:extLst>
         </p:spPr>
         <p:txBody>
-          <a:bodyPr vert="horz" wrap="none" lIns="91440" tIns="45720" rIns="91440" bIns="45720" numCol="1" anchor="ctr" anchorCtr="0" compatLnSpc="1">
+          <a:bodyPr vert="horz" wrap="square" lIns="91440" tIns="45720" rIns="91440" bIns="45720" numCol="1" anchor="ctr" anchorCtr="0" compatLnSpc="1">
             <a:prstTxWarp prst="textNoShape">
               <a:avLst/>
             </a:prstTxWarp>
@@ -10133,7 +10103,7 @@
           </a:bodyPr>
           <a:lstStyle/>
           <a:p>
-            <a:pPr marL="0" marR="0" lvl="0" indent="0" algn="ctr" defTabSz="914400" rtl="0" eaLnBrk="0" fontAlgn="base" latinLnBrk="0" hangingPunct="0">
+            <a:pPr marL="0" marR="0" lvl="0" indent="0" defTabSz="914400" rtl="0" eaLnBrk="0" fontAlgn="base" latinLnBrk="0" hangingPunct="0">
               <a:lnSpc>
                 <a:spcPct val="100000"/>
               </a:lnSpc>
@@ -10162,7 +10132,22 @@
                 <a:ea typeface="Times New Roman" panose="02020603050405020304" pitchFamily="18" charset="0"/>
                 <a:cs typeface="Arial" panose="020B0604020202020204" pitchFamily="34" charset="0"/>
               </a:rPr>
-              <a:t>UNIVERSIDADE FEDERAL DE SERGIPE</a:t>
+              <a:t>UNIVERSIDADE FEDERAL DE </a:t>
+            </a:r>
+            <a:r>
+              <a:rPr kumimoji="0" lang="pt-BR" altLang="pt-BR" sz="2200" b="1" i="0" u="none" strike="noStrike" cap="none" normalizeH="0" baseline="0" dirty="0" smtClean="0">
+                <a:ln>
+                  <a:noFill/>
+                </a:ln>
+                <a:solidFill>
+                  <a:schemeClr val="tx1"/>
+                </a:solidFill>
+                <a:effectLst/>
+                <a:latin typeface="Arial" panose="020B0604020202020204" pitchFamily="34" charset="0"/>
+                <a:ea typeface="Times New Roman" panose="02020603050405020304" pitchFamily="18" charset="0"/>
+                <a:cs typeface="Arial" panose="020B0604020202020204" pitchFamily="34" charset="0"/>
+              </a:rPr>
+              <a:t>SERGIPE</a:t>
             </a:r>
             <a:endParaRPr kumimoji="0" lang="pt-BR" altLang="pt-BR" sz="800" b="0" i="0" u="none" strike="noStrike" cap="none" normalizeH="0" baseline="0" dirty="0" smtClean="0">
               <a:ln>
@@ -10174,8 +10159,68 @@
               <a:effectLst/>
             </a:endParaRPr>
           </a:p>
-          <a:p>
-            <a:pPr marL="0" marR="0" lvl="0" indent="0" algn="ctr" defTabSz="914400" rtl="0" eaLnBrk="0" fontAlgn="base" latinLnBrk="0" hangingPunct="0">
+        </p:txBody>
+      </p:sp>
+      <p:sp>
+        <p:nvSpPr>
+          <p:cNvPr id="10" name="Rectangle 3"/>
+          <p:cNvSpPr>
+            <a:spLocks noChangeArrowheads="1"/>
+          </p:cNvSpPr>
+          <p:nvPr/>
+        </p:nvSpPr>
+        <p:spPr bwMode="auto">
+          <a:xfrm>
+            <a:off x="971600" y="502404"/>
+            <a:ext cx="8172400" cy="430887"/>
+          </a:xfrm>
+          <a:prstGeom prst="rect">
+            <a:avLst/>
+          </a:prstGeom>
+          <a:noFill/>
+          <a:ln>
+            <a:noFill/>
+          </a:ln>
+          <a:effectLst/>
+          <a:extLst>
+            <a:ext uri="{909E8E84-426E-40dd-AFC4-6F175D3DCCD1}">
+              <a14:hiddenFill xmlns:a14="http://schemas.microsoft.com/office/drawing/2010/main">
+                <a:solidFill>
+                  <a:schemeClr val="accent1"/>
+                </a:solidFill>
+              </a14:hiddenFill>
+            </a:ext>
+            <a:ext uri="{91240B29-F687-4f45-9708-019B960494DF}">
+              <a14:hiddenLine xmlns:a14="http://schemas.microsoft.com/office/drawing/2010/main" w="9525">
+                <a:solidFill>
+                  <a:schemeClr val="tx1"/>
+                </a:solidFill>
+                <a:miter lim="800000"/>
+                <a:headEnd/>
+                <a:tailEnd/>
+              </a14:hiddenLine>
+            </a:ext>
+            <a:ext uri="{AF507438-7753-43e0-B8FC-AC1667EBCBE1}">
+              <a14:hiddenEffects xmlns:a14="http://schemas.microsoft.com/office/drawing/2010/main">
+                <a:effectLst>
+                  <a:outerShdw dist="35921" dir="2700000" algn="ctr" rotWithShape="0">
+                    <a:schemeClr val="bg2"/>
+                  </a:outerShdw>
+                </a:effectLst>
+              </a14:hiddenEffects>
+            </a:ext>
+          </a:extLst>
+        </p:spPr>
+        <p:txBody>
+          <a:bodyPr vert="horz" wrap="square" lIns="91440" tIns="45720" rIns="91440" bIns="45720" numCol="1" anchor="ctr" anchorCtr="0" compatLnSpc="1">
+            <a:prstTxWarp prst="textNoShape">
+              <a:avLst/>
+            </a:prstTxWarp>
+            <a:spAutoFit/>
+          </a:bodyPr>
+          <a:lstStyle/>
+          <a:p>
+            <a:pPr marL="0" marR="0" lvl="0" indent="0" defTabSz="914400" rtl="0" eaLnBrk="0" fontAlgn="base" latinLnBrk="0" hangingPunct="0">
               <a:lnSpc>
                 <a:spcPct val="100000"/>
               </a:lnSpc>
@@ -10192,7 +10237,7 @@
               <a:tabLst/>
             </a:pPr>
             <a:r>
-              <a:rPr kumimoji="0" lang="pt-BR" altLang="pt-BR" sz="1600" b="1" i="0" u="none" strike="noStrike" cap="none" normalizeH="0" baseline="0" dirty="0" smtClean="0">
+              <a:rPr kumimoji="0" lang="pt-BR" altLang="pt-BR" sz="2200" b="1" i="0" u="none" strike="noStrike" cap="none" normalizeH="0" baseline="0" dirty="0" smtClean="0">
                 <a:ln>
                   <a:noFill/>
                 </a:ln>
@@ -10204,97 +10249,15 @@
                 <a:ea typeface="Times New Roman" panose="02020603050405020304" pitchFamily="18" charset="0"/>
                 <a:cs typeface="Arial" panose="020B0604020202020204" pitchFamily="34" charset="0"/>
               </a:rPr>
-              <a:t>PR</a:t>
-            </a:r>
-            <a:r>
-              <a:rPr kumimoji="0" lang="pt-BR" altLang="pt-BR" sz="1600" b="1" i="0" u="none" strike="noStrike" cap="none" normalizeH="0" baseline="0" dirty="0" smtClean="0">
-                <a:ln>
-                  <a:noFill/>
-                </a:ln>
-                <a:solidFill>
-                  <a:schemeClr val="tx1"/>
-                </a:solidFill>
-                <a:effectLst/>
-                <a:latin typeface="Calibri" panose="020F0502020204030204" pitchFamily="34" charset="0"/>
-                <a:ea typeface="Times New Roman" panose="02020603050405020304" pitchFamily="18" charset="0"/>
-                <a:cs typeface="Arial" panose="020B0604020202020204" pitchFamily="34" charset="0"/>
-              </a:rPr>
-              <a:t>Ó</a:t>
-            </a:r>
-            <a:r>
-              <a:rPr kumimoji="0" lang="pt-BR" altLang="pt-BR" sz="1600" b="1" i="0" u="none" strike="noStrike" cap="none" normalizeH="0" baseline="0" dirty="0" smtClean="0">
-                <a:ln>
-                  <a:noFill/>
-                </a:ln>
-                <a:solidFill>
-                  <a:schemeClr val="tx1"/>
-                </a:solidFill>
-                <a:effectLst/>
+              <a:t>UNIVERSIDADE FEDERAL DE </a:t>
+            </a:r>
+            <a:r>
+              <a:rPr lang="pt-BR" altLang="pt-BR" sz="2200" b="1" dirty="0" smtClean="0">
                 <a:latin typeface="Arial" panose="020B0604020202020204" pitchFamily="34" charset="0"/>
                 <a:ea typeface="Times New Roman" panose="02020603050405020304" pitchFamily="18" charset="0"/>
                 <a:cs typeface="Arial" panose="020B0604020202020204" pitchFamily="34" charset="0"/>
               </a:rPr>
-              <a:t>-REITORIA DE P</a:t>
-            </a:r>
-            <a:r>
-              <a:rPr kumimoji="0" lang="pt-BR" altLang="pt-BR" sz="1600" b="1" i="0" u="none" strike="noStrike" cap="none" normalizeH="0" baseline="0" dirty="0" smtClean="0">
-                <a:ln>
-                  <a:noFill/>
-                </a:ln>
-                <a:solidFill>
-                  <a:schemeClr val="tx1"/>
-                </a:solidFill>
-                <a:effectLst/>
-                <a:latin typeface="Calibri" panose="020F0502020204030204" pitchFamily="34" charset="0"/>
-                <a:ea typeface="Times New Roman" panose="02020603050405020304" pitchFamily="18" charset="0"/>
-                <a:cs typeface="Arial" panose="020B0604020202020204" pitchFamily="34" charset="0"/>
-              </a:rPr>
-              <a:t>Ó</a:t>
-            </a:r>
-            <a:r>
-              <a:rPr kumimoji="0" lang="pt-BR" altLang="pt-BR" sz="1600" b="1" i="0" u="none" strike="noStrike" cap="none" normalizeH="0" baseline="0" dirty="0" smtClean="0">
-                <a:ln>
-                  <a:noFill/>
-                </a:ln>
-                <a:solidFill>
-                  <a:schemeClr val="tx1"/>
-                </a:solidFill>
-                <a:effectLst/>
-                <a:latin typeface="Arial" panose="020B0604020202020204" pitchFamily="34" charset="0"/>
-                <a:ea typeface="Times New Roman" panose="02020603050405020304" pitchFamily="18" charset="0"/>
-                <a:cs typeface="Arial" panose="020B0604020202020204" pitchFamily="34" charset="0"/>
-              </a:rPr>
-              <a:t>S-GRADUA</a:t>
-            </a:r>
-            <a:r>
-              <a:rPr kumimoji="0" lang="pt-BR" altLang="pt-BR" sz="1600" b="1" i="0" u="none" strike="noStrike" cap="none" normalizeH="0" baseline="0" dirty="0" smtClean="0">
-                <a:ln>
-                  <a:noFill/>
-                </a:ln>
-                <a:solidFill>
-                  <a:schemeClr val="tx1"/>
-                </a:solidFill>
-                <a:effectLst/>
-                <a:latin typeface="Calibri" panose="020F0502020204030204" pitchFamily="34" charset="0"/>
-                <a:ea typeface="Times New Roman" panose="02020603050405020304" pitchFamily="18" charset="0"/>
-                <a:cs typeface="Arial" panose="020B0604020202020204" pitchFamily="34" charset="0"/>
-              </a:rPr>
-              <a:t>Ç</a:t>
-            </a:r>
-            <a:r>
-              <a:rPr kumimoji="0" lang="pt-BR" altLang="pt-BR" sz="1600" b="1" i="0" u="none" strike="noStrike" cap="none" normalizeH="0" baseline="0" dirty="0" smtClean="0">
-                <a:ln>
-                  <a:noFill/>
-                </a:ln>
-                <a:solidFill>
-                  <a:schemeClr val="tx1"/>
-                </a:solidFill>
-                <a:effectLst/>
-                <a:latin typeface="Arial" panose="020B0604020202020204" pitchFamily="34" charset="0"/>
-                <a:ea typeface="Times New Roman" panose="02020603050405020304" pitchFamily="18" charset="0"/>
-                <a:cs typeface="Arial" panose="020B0604020202020204" pitchFamily="34" charset="0"/>
-              </a:rPr>
-              <a:t>ÃO E PESQUISA</a:t>
+              <a:t>SANTA CATARINA</a:t>
             </a:r>
             <a:endParaRPr kumimoji="0" lang="pt-BR" altLang="pt-BR" sz="800" b="0" i="0" u="none" strike="noStrike" cap="none" normalizeH="0" baseline="0" dirty="0" smtClean="0">
               <a:ln>
@@ -10306,163 +10269,13 @@
               <a:effectLst/>
             </a:endParaRPr>
           </a:p>
-          <a:p>
-            <a:pPr lvl="0" algn="ctr"/>
-            <a:r>
-              <a:rPr kumimoji="0" lang="pt-BR" altLang="pt-BR" sz="1600" b="1" i="0" u="none" strike="noStrike" cap="none" normalizeH="0" baseline="0" dirty="0" smtClean="0">
-                <a:ln>
-                  <a:noFill/>
-                </a:ln>
-                <a:solidFill>
-                  <a:schemeClr val="tx1"/>
-                </a:solidFill>
-                <a:effectLst/>
-                <a:latin typeface="Arial" panose="020B0604020202020204" pitchFamily="34" charset="0"/>
-                <a:ea typeface="Times New Roman" panose="02020603050405020304" pitchFamily="18" charset="0"/>
-                <a:cs typeface="Arial" panose="020B0604020202020204" pitchFamily="34" charset="0"/>
-              </a:rPr>
-              <a:t>N</a:t>
-            </a:r>
-            <a:r>
-              <a:rPr kumimoji="0" lang="pt-BR" altLang="pt-BR" sz="1600" b="1" i="0" u="none" strike="noStrike" cap="none" normalizeH="0" baseline="0" dirty="0" smtClean="0">
-                <a:ln>
-                  <a:noFill/>
-                </a:ln>
-                <a:solidFill>
-                  <a:schemeClr val="tx1"/>
-                </a:solidFill>
-                <a:effectLst/>
-                <a:latin typeface="Calibri" panose="020F0502020204030204" pitchFamily="34" charset="0"/>
-                <a:ea typeface="Times New Roman" panose="02020603050405020304" pitchFamily="18" charset="0"/>
-                <a:cs typeface="Arial" panose="020B0604020202020204" pitchFamily="34" charset="0"/>
-              </a:rPr>
-              <a:t>Ú</a:t>
-            </a:r>
-            <a:r>
-              <a:rPr kumimoji="0" lang="pt-BR" altLang="pt-BR" sz="1600" b="1" i="0" u="none" strike="noStrike" cap="none" normalizeH="0" baseline="0" dirty="0" smtClean="0">
-                <a:ln>
-                  <a:noFill/>
-                </a:ln>
-                <a:solidFill>
-                  <a:schemeClr val="tx1"/>
-                </a:solidFill>
-                <a:effectLst/>
-                <a:latin typeface="Arial" panose="020B0604020202020204" pitchFamily="34" charset="0"/>
-                <a:ea typeface="Times New Roman" panose="02020603050405020304" pitchFamily="18" charset="0"/>
-                <a:cs typeface="Arial" panose="020B0604020202020204" pitchFamily="34" charset="0"/>
-              </a:rPr>
-              <a:t>CLEO DE P</a:t>
-            </a:r>
-            <a:r>
-              <a:rPr kumimoji="0" lang="pt-BR" altLang="pt-BR" sz="1600" b="1" i="0" u="none" strike="noStrike" cap="none" normalizeH="0" baseline="0" dirty="0" smtClean="0">
-                <a:ln>
-                  <a:noFill/>
-                </a:ln>
-                <a:solidFill>
-                  <a:schemeClr val="tx1"/>
-                </a:solidFill>
-                <a:effectLst/>
-                <a:latin typeface="Calibri" panose="020F0502020204030204" pitchFamily="34" charset="0"/>
-                <a:ea typeface="Times New Roman" panose="02020603050405020304" pitchFamily="18" charset="0"/>
-                <a:cs typeface="Arial" panose="020B0604020202020204" pitchFamily="34" charset="0"/>
-              </a:rPr>
-              <a:t>Ó</a:t>
-            </a:r>
-            <a:r>
-              <a:rPr kumimoji="0" lang="pt-BR" altLang="pt-BR" sz="1600" b="1" i="0" u="none" strike="noStrike" cap="none" normalizeH="0" baseline="0" dirty="0" smtClean="0">
-                <a:ln>
-                  <a:noFill/>
-                </a:ln>
-                <a:solidFill>
-                  <a:schemeClr val="tx1"/>
-                </a:solidFill>
-                <a:effectLst/>
-                <a:latin typeface="Arial" panose="020B0604020202020204" pitchFamily="34" charset="0"/>
-                <a:ea typeface="Times New Roman" panose="02020603050405020304" pitchFamily="18" charset="0"/>
-                <a:cs typeface="Arial" panose="020B0604020202020204" pitchFamily="34" charset="0"/>
-              </a:rPr>
-              <a:t>S-GRADUA</a:t>
-            </a:r>
-            <a:r>
-              <a:rPr kumimoji="0" lang="pt-BR" altLang="pt-BR" sz="1600" b="1" i="0" u="none" strike="noStrike" cap="none" normalizeH="0" baseline="0" dirty="0" smtClean="0">
-                <a:ln>
-                  <a:noFill/>
-                </a:ln>
-                <a:solidFill>
-                  <a:schemeClr val="tx1"/>
-                </a:solidFill>
-                <a:effectLst/>
-                <a:latin typeface="Calibri" panose="020F0502020204030204" pitchFamily="34" charset="0"/>
-                <a:ea typeface="Times New Roman" panose="02020603050405020304" pitchFamily="18" charset="0"/>
-                <a:cs typeface="Arial" panose="020B0604020202020204" pitchFamily="34" charset="0"/>
-              </a:rPr>
-              <a:t>Ç</a:t>
-            </a:r>
-            <a:r>
-              <a:rPr kumimoji="0" lang="pt-BR" altLang="pt-BR" sz="1600" b="1" i="0" u="none" strike="noStrike" cap="none" normalizeH="0" baseline="0" dirty="0" smtClean="0">
-                <a:ln>
-                  <a:noFill/>
-                </a:ln>
-                <a:solidFill>
-                  <a:schemeClr val="tx1"/>
-                </a:solidFill>
-                <a:effectLst/>
-                <a:latin typeface="Arial" panose="020B0604020202020204" pitchFamily="34" charset="0"/>
-                <a:ea typeface="Times New Roman" panose="02020603050405020304" pitchFamily="18" charset="0"/>
-                <a:cs typeface="Arial" panose="020B0604020202020204" pitchFamily="34" charset="0"/>
-              </a:rPr>
-              <a:t>ÃO </a:t>
-            </a:r>
-            <a:r>
-              <a:rPr kumimoji="0" lang="pt-BR" altLang="pt-BR" sz="1600" b="1" i="0" u="none" strike="noStrike" cap="none" normalizeH="0" baseline="0" dirty="0" smtClean="0">
-                <a:ln>
-                  <a:noFill/>
-                </a:ln>
-                <a:solidFill>
-                  <a:schemeClr val="tx1"/>
-                </a:solidFill>
-                <a:effectLst/>
-                <a:latin typeface="Calibri" panose="020F0502020204030204" pitchFamily="34" charset="0"/>
-                <a:ea typeface="Times New Roman" panose="02020603050405020304" pitchFamily="18" charset="0"/>
-                <a:cs typeface="Calibri" panose="020F0502020204030204" pitchFamily="34" charset="0"/>
-              </a:rPr>
-              <a:t>EM</a:t>
-            </a:r>
-            <a:r>
-              <a:rPr lang="pt-BR" altLang="pt-BR" b="1" dirty="0">
-                <a:latin typeface="Calibri" panose="020F0502020204030204" pitchFamily="34" charset="0"/>
-                <a:ea typeface="Times New Roman" panose="02020603050405020304" pitchFamily="18" charset="0"/>
-                <a:cs typeface="Calibri" panose="020F0502020204030204" pitchFamily="34" charset="0"/>
-              </a:rPr>
-              <a:t> CIÊNCIA DA </a:t>
-            </a:r>
-            <a:r>
-              <a:rPr lang="pt-BR" altLang="pt-BR" b="1" dirty="0" smtClean="0">
-                <a:latin typeface="Calibri" panose="020F0502020204030204" pitchFamily="34" charset="0"/>
-                <a:ea typeface="Times New Roman" panose="02020603050405020304" pitchFamily="18" charset="0"/>
-                <a:cs typeface="Calibri" panose="020F0502020204030204" pitchFamily="34" charset="0"/>
-              </a:rPr>
-              <a:t>COMPUTAÇÃO</a:t>
-            </a:r>
-            <a:endParaRPr kumimoji="0" lang="pt-BR" altLang="pt-BR" sz="1800" b="0" i="0" u="none" strike="noStrike" cap="none" normalizeH="0" baseline="0" dirty="0" smtClean="0">
-              <a:ln>
-                <a:noFill/>
-              </a:ln>
-              <a:solidFill>
-                <a:schemeClr val="tx1"/>
-              </a:solidFill>
-              <a:effectLst/>
-              <a:latin typeface="Calibri" panose="020F0502020204030204" pitchFamily="34" charset="0"/>
-              <a:cs typeface="Calibri" panose="020F0502020204030204" pitchFamily="34" charset="0"/>
-            </a:endParaRPr>
-          </a:p>
         </p:txBody>
       </p:sp>
       <p:pic>
         <p:nvPicPr>
-          <p:cNvPr id="1029" name="Picture 5" descr="https://www.sigaa.ufs.br/sigaa/verFoto?idFoto=345074&amp;key=98fcdc08d4fa7d0f7bcd4a1fdc16effc"/>
+          <p:cNvPr id="4" name="Picture 3" descr="brasao_ufsc.png"/>
           <p:cNvPicPr>
-            <a:picLocks noChangeAspect="1" noChangeArrowheads="1"/>
+            <a:picLocks noChangeAspect="1"/>
           </p:cNvPicPr>
           <p:nvPr/>
         </p:nvPicPr>
@@ -10474,29 +10287,18 @@
               </a:ext>
             </a:extLst>
           </a:blip>
-          <a:srcRect/>
           <a:stretch>
             <a:fillRect/>
           </a:stretch>
         </p:blipFill>
-        <p:spPr bwMode="auto">
-          <a:xfrm>
-            <a:off x="7115907" y="241976"/>
-            <a:ext cx="1704565" cy="971515"/>
+        <p:spPr>
+          <a:xfrm>
+            <a:off x="107504" y="188640"/>
+            <a:ext cx="883920" cy="965200"/>
           </a:xfrm>
           <a:prstGeom prst="rect">
             <a:avLst/>
           </a:prstGeom>
-          <a:noFill/>
-          <a:extLst>
-            <a:ext uri="{909E8E84-426E-40dd-AFC4-6F175D3DCCD1}">
-              <a14:hiddenFill xmlns:a14="http://schemas.microsoft.com/office/drawing/2010/main">
-                <a:solidFill>
-                  <a:srgbClr val="FFFFFF"/>
-                </a:solidFill>
-              </a14:hiddenFill>
-            </a:ext>
-          </a:extLst>
         </p:spPr>
       </p:pic>
     </p:spTree>
@@ -10541,34 +10343,6 @@
       </p:grpSpPr>
       <p:sp>
         <p:nvSpPr>
-          <p:cNvPr id="19458" name="Rectangle 1"/>
-          <p:cNvSpPr>
-            <a:spLocks noGrp="1"/>
-          </p:cNvSpPr>
-          <p:nvPr>
-            <p:ph type="title"/>
-          </p:nvPr>
-        </p:nvSpPr>
-        <p:spPr/>
-        <p:txBody>
-          <a:bodyPr/>
-          <a:lstStyle/>
-          <a:p>
-            <a:pPr eaLnBrk="1" hangingPunct="1"/>
-            <a:r>
-              <a:rPr lang="pt-BR" altLang="pt-BR" sz="3800" dirty="0" smtClean="0">
-                <a:latin typeface="Calibri" pitchFamily="34" charset="0"/>
-              </a:rPr>
-              <a:t>Arquitetura de Software Proposta</a:t>
-            </a:r>
-            <a:endParaRPr altLang="pt-BR" sz="2400" i="1" dirty="0">
-              <a:latin typeface="Calibri" pitchFamily="34" charset="0"/>
-            </a:endParaRPr>
-          </a:p>
-        </p:txBody>
-      </p:sp>
-      <p:sp>
-        <p:nvSpPr>
           <p:cNvPr id="5" name="Content Placeholder 4"/>
           <p:cNvSpPr>
             <a:spLocks noGrp="1"/>
@@ -10734,6 +10508,35 @@
           </a:prstGeom>
         </p:spPr>
       </p:pic>
+      <p:sp>
+        <p:nvSpPr>
+          <p:cNvPr id="9" name="Rectangle 1"/>
+          <p:cNvSpPr>
+            <a:spLocks noGrp="1"/>
+          </p:cNvSpPr>
+          <p:nvPr>
+            <p:ph type="title"/>
+          </p:nvPr>
+        </p:nvSpPr>
+        <p:spPr>
+          <a:xfrm>
+            <a:off x="612648" y="228600"/>
+            <a:ext cx="8153400" cy="990600"/>
+          </a:xfrm>
+        </p:spPr>
+        <p:txBody>
+          <a:bodyPr/>
+          <a:lstStyle/>
+          <a:p>
+            <a:pPr eaLnBrk="1" hangingPunct="1"/>
+            <a:r>
+              <a:rPr lang="pt-BR" altLang="pt-BR" sz="4000" dirty="0" smtClean="0"/>
+              <a:t>Arquitetura de Software Proposta</a:t>
+            </a:r>
+            <a:endParaRPr altLang="pt-BR" sz="4000" i="1" dirty="0"/>
+          </a:p>
+        </p:txBody>
+      </p:sp>
     </p:spTree>
     <p:extLst>
       <p:ext uri="{BB962C8B-B14F-4D97-AF65-F5344CB8AC3E}">
@@ -10781,34 +10584,6 @@
       </p:grpSpPr>
       <p:sp>
         <p:nvSpPr>
-          <p:cNvPr id="19458" name="Rectangle 1"/>
-          <p:cNvSpPr>
-            <a:spLocks noGrp="1"/>
-          </p:cNvSpPr>
-          <p:nvPr>
-            <p:ph type="title"/>
-          </p:nvPr>
-        </p:nvSpPr>
-        <p:spPr/>
-        <p:txBody>
-          <a:bodyPr/>
-          <a:lstStyle/>
-          <a:p>
-            <a:pPr eaLnBrk="1" hangingPunct="1"/>
-            <a:r>
-              <a:rPr lang="pt-BR" altLang="pt-BR" sz="3800" dirty="0" smtClean="0">
-                <a:latin typeface="Calibri" pitchFamily="34" charset="0"/>
-              </a:rPr>
-              <a:t>Arquitetura de Software Proposta</a:t>
-            </a:r>
-            <a:endParaRPr altLang="pt-BR" sz="2400" i="1" dirty="0">
-              <a:latin typeface="Calibri" pitchFamily="34" charset="0"/>
-            </a:endParaRPr>
-          </a:p>
-        </p:txBody>
-      </p:sp>
-      <p:sp>
-        <p:nvSpPr>
           <p:cNvPr id="5" name="Content Placeholder 4"/>
           <p:cNvSpPr>
             <a:spLocks noGrp="1"/>
@@ -10974,6 +10749,35 @@
           </a:prstGeom>
         </p:spPr>
       </p:pic>
+      <p:sp>
+        <p:nvSpPr>
+          <p:cNvPr id="9" name="Rectangle 1"/>
+          <p:cNvSpPr>
+            <a:spLocks noGrp="1"/>
+          </p:cNvSpPr>
+          <p:nvPr>
+            <p:ph type="title"/>
+          </p:nvPr>
+        </p:nvSpPr>
+        <p:spPr>
+          <a:xfrm>
+            <a:off x="612648" y="228600"/>
+            <a:ext cx="8153400" cy="990600"/>
+          </a:xfrm>
+        </p:spPr>
+        <p:txBody>
+          <a:bodyPr/>
+          <a:lstStyle/>
+          <a:p>
+            <a:pPr eaLnBrk="1" hangingPunct="1"/>
+            <a:r>
+              <a:rPr lang="pt-BR" altLang="pt-BR" sz="4000" dirty="0" smtClean="0"/>
+              <a:t>Arquitetura de Software Proposta</a:t>
+            </a:r>
+            <a:endParaRPr altLang="pt-BR" sz="4000" i="1" dirty="0"/>
+          </a:p>
+        </p:txBody>
+      </p:sp>
     </p:spTree>
     <p:extLst>
       <p:ext uri="{BB962C8B-B14F-4D97-AF65-F5344CB8AC3E}">
@@ -11021,34 +10825,6 @@
       </p:grpSpPr>
       <p:sp>
         <p:nvSpPr>
-          <p:cNvPr id="19458" name="Rectangle 1"/>
-          <p:cNvSpPr>
-            <a:spLocks noGrp="1"/>
-          </p:cNvSpPr>
-          <p:nvPr>
-            <p:ph type="title"/>
-          </p:nvPr>
-        </p:nvSpPr>
-        <p:spPr/>
-        <p:txBody>
-          <a:bodyPr/>
-          <a:lstStyle/>
-          <a:p>
-            <a:pPr eaLnBrk="1" hangingPunct="1"/>
-            <a:r>
-              <a:rPr lang="pt-BR" altLang="pt-BR" sz="3800" dirty="0" smtClean="0">
-                <a:latin typeface="Calibri" pitchFamily="34" charset="0"/>
-              </a:rPr>
-              <a:t>Arquitetura de Software Proposta</a:t>
-            </a:r>
-            <a:endParaRPr altLang="pt-BR" sz="2400" i="1" dirty="0">
-              <a:latin typeface="Calibri" pitchFamily="34" charset="0"/>
-            </a:endParaRPr>
-          </a:p>
-        </p:txBody>
-      </p:sp>
-      <p:sp>
-        <p:nvSpPr>
           <p:cNvPr id="5" name="Content Placeholder 4"/>
           <p:cNvSpPr>
             <a:spLocks noGrp="1"/>
@@ -11214,6 +10990,35 @@
           </a:prstGeom>
         </p:spPr>
       </p:pic>
+      <p:sp>
+        <p:nvSpPr>
+          <p:cNvPr id="10" name="Rectangle 1"/>
+          <p:cNvSpPr>
+            <a:spLocks noGrp="1"/>
+          </p:cNvSpPr>
+          <p:nvPr>
+            <p:ph type="title"/>
+          </p:nvPr>
+        </p:nvSpPr>
+        <p:spPr>
+          <a:xfrm>
+            <a:off x="612648" y="228600"/>
+            <a:ext cx="8153400" cy="990600"/>
+          </a:xfrm>
+        </p:spPr>
+        <p:txBody>
+          <a:bodyPr/>
+          <a:lstStyle/>
+          <a:p>
+            <a:pPr eaLnBrk="1" hangingPunct="1"/>
+            <a:r>
+              <a:rPr lang="pt-BR" altLang="pt-BR" sz="4000" dirty="0" smtClean="0"/>
+              <a:t>Arquitetura de Software Proposta</a:t>
+            </a:r>
+            <a:endParaRPr altLang="pt-BR" sz="4000" i="1" dirty="0"/>
+          </a:p>
+        </p:txBody>
+      </p:sp>
     </p:spTree>
     <p:extLst>
       <p:ext uri="{BB962C8B-B14F-4D97-AF65-F5344CB8AC3E}">
@@ -11276,14 +11081,10 @@
           <a:p>
             <a:pPr eaLnBrk="1" hangingPunct="1"/>
             <a:r>
-              <a:rPr lang="pt-BR" altLang="pt-BR" sz="3800" dirty="0" smtClean="0">
-                <a:latin typeface="Calibri" pitchFamily="34" charset="0"/>
-              </a:rPr>
+              <a:rPr lang="pt-BR" altLang="pt-BR" sz="4000" dirty="0" smtClean="0"/>
               <a:t>Arquitetura de Software Proposta</a:t>
             </a:r>
-            <a:endParaRPr altLang="pt-BR" sz="2400" i="1" dirty="0">
-              <a:latin typeface="Calibri" pitchFamily="34" charset="0"/>
-            </a:endParaRPr>
+            <a:endParaRPr altLang="pt-BR" sz="4000" i="1" dirty="0"/>
           </a:p>
         </p:txBody>
       </p:sp>
@@ -13150,9 +12951,7 @@
           <a:p>
             <a:pPr eaLnBrk="1" hangingPunct="1"/>
             <a:r>
-              <a:rPr altLang="pt-BR" dirty="0">
-                <a:latin typeface="Calibri" pitchFamily="34" charset="0"/>
-              </a:rPr>
+              <a:rPr altLang="pt-BR" dirty="0"/>
               <a:t>Agenda</a:t>
             </a:r>
           </a:p>
@@ -14351,14 +14150,10 @@
           <a:p>
             <a:pPr eaLnBrk="1" hangingPunct="1"/>
             <a:r>
-              <a:rPr lang="en-US" altLang="pt-BR" sz="4000" dirty="0" err="1">
-                <a:latin typeface="Calibri" pitchFamily="34" charset="0"/>
-              </a:rPr>
+              <a:rPr lang="en-US" altLang="pt-BR" sz="4000" dirty="0" err="1"/>
               <a:t>Conclusões</a:t>
             </a:r>
-            <a:endParaRPr altLang="pt-BR" sz="2400" i="1" dirty="0">
-              <a:latin typeface="Calibri" pitchFamily="34" charset="0"/>
-            </a:endParaRPr>
+            <a:endParaRPr altLang="pt-BR" sz="2400" i="1" dirty="0"/>
           </a:p>
         </p:txBody>
       </p:sp>
@@ -14403,7 +14198,6 @@
               <a:rPr lang="en-US" dirty="0"/>
               <a:t>, 2008)</a:t>
             </a:r>
-            <a:endParaRPr lang="en-US" dirty="0"/>
           </a:p>
         </p:txBody>
       </p:sp>
@@ -14547,7 +14341,7 @@
           <a:graphicData uri="http://schemas.openxmlformats.org/presentationml/2006/ole">
             <mc:AlternateContent xmlns:mc="http://schemas.openxmlformats.org/markup-compatibility/2006">
               <mc:Choice xmlns:v="urn:schemas-microsoft-com:vml" Requires="v">
-                <p:oleObj spid="_x0000_s2051" name="Document" r:id="rId4" imgW="5626100" imgH="2019300" progId="Word.Document.12">
+                <p:oleObj spid="_x0000_s2078" name="Document" r:id="rId4" imgW="5626100" imgH="2019300" progId="Word.Document.12">
                   <p:link updateAutomatic="1"/>
                 </p:oleObj>
               </mc:Choice>
@@ -14643,26 +14437,18 @@
           <a:lstStyle/>
           <a:p>
             <a:r>
-              <a:rPr lang="en-US" altLang="pt-BR" dirty="0" err="1" smtClean="0">
-                <a:latin typeface="Calibri" pitchFamily="34" charset="0"/>
-              </a:rPr>
+              <a:rPr lang="en-US" altLang="pt-BR" sz="4000" dirty="0" err="1" smtClean="0"/>
               <a:t>Trabalhos</a:t>
             </a:r>
             <a:r>
-              <a:rPr lang="en-US" altLang="pt-BR" dirty="0" smtClean="0">
-                <a:latin typeface="Calibri" pitchFamily="34" charset="0"/>
-              </a:rPr>
+              <a:rPr lang="en-US" altLang="pt-BR" sz="4000" dirty="0" smtClean="0"/>
               <a:t> </a:t>
             </a:r>
             <a:r>
-              <a:rPr lang="en-US" altLang="pt-BR" dirty="0" err="1" smtClean="0">
-                <a:latin typeface="Calibri" pitchFamily="34" charset="0"/>
-              </a:rPr>
+              <a:rPr lang="en-US" altLang="pt-BR" sz="4000" dirty="0" err="1" smtClean="0"/>
               <a:t>Futuros</a:t>
             </a:r>
-            <a:endParaRPr altLang="pt-BR" dirty="0">
-              <a:latin typeface="Calibri" pitchFamily="34" charset="0"/>
-            </a:endParaRPr>
+            <a:endParaRPr altLang="pt-BR" sz="4000" dirty="0"/>
           </a:p>
         </p:txBody>
       </p:sp>
@@ -14873,26 +14659,18 @@
           <a:lstStyle/>
           <a:p>
             <a:r>
-              <a:rPr lang="en-US" altLang="pt-BR" dirty="0" err="1" smtClean="0">
-                <a:latin typeface="Calibri" pitchFamily="34" charset="0"/>
-              </a:rPr>
+              <a:rPr lang="en-US" altLang="pt-BR" dirty="0" err="1" smtClean="0"/>
               <a:t>Trabalhos</a:t>
             </a:r>
             <a:r>
-              <a:rPr lang="en-US" altLang="pt-BR" dirty="0" smtClean="0">
-                <a:latin typeface="Calibri" pitchFamily="34" charset="0"/>
-              </a:rPr>
+              <a:rPr lang="en-US" altLang="pt-BR" dirty="0" smtClean="0"/>
               <a:t> </a:t>
             </a:r>
             <a:r>
-              <a:rPr lang="en-US" altLang="pt-BR" dirty="0" err="1" smtClean="0">
-                <a:latin typeface="Calibri" pitchFamily="34" charset="0"/>
-              </a:rPr>
+              <a:rPr lang="en-US" altLang="pt-BR" dirty="0" err="1" smtClean="0"/>
               <a:t>Futuros</a:t>
             </a:r>
-            <a:endParaRPr altLang="pt-BR" dirty="0">
-              <a:latin typeface="Calibri" pitchFamily="34" charset="0"/>
-            </a:endParaRPr>
+            <a:endParaRPr altLang="pt-BR" dirty="0"/>
           </a:p>
         </p:txBody>
       </p:sp>
@@ -14919,34 +14697,6 @@
           <a:lstStyle/>
           <a:p>
             <a:r>
-              <a:rPr lang="pt-BR" dirty="0"/>
-              <a:t>Criando diversas aplicações como sistema de detecção e alerta de congestionamento em cruzamentos </a:t>
-            </a:r>
-            <a:r>
-              <a:rPr lang="pt-BR" dirty="0" err="1"/>
-              <a:t>semaforizados</a:t>
-            </a:r>
-            <a:r>
-              <a:rPr lang="pt-BR" dirty="0"/>
-              <a:t> (desenvolvido);</a:t>
-            </a:r>
-          </a:p>
-          <a:p>
-            <a:r>
-              <a:rPr lang="pt-BR" dirty="0" smtClean="0"/>
-              <a:t>Implementação </a:t>
-            </a:r>
-            <a:r>
-              <a:rPr lang="pt-BR" dirty="0"/>
-              <a:t>de uma plataforma web de </a:t>
-            </a:r>
-            <a:r>
-              <a:rPr lang="pt-BR" dirty="0" smtClean="0"/>
-              <a:t>simulação (sendo desenvolvido);</a:t>
-            </a:r>
-          </a:p>
-          <a:p>
-            <a:r>
               <a:rPr lang="pt-BR" dirty="0" smtClean="0"/>
               <a:t>Controle </a:t>
             </a:r>
@@ -14970,15 +14720,7 @@
             </a:r>
             <a:r>
               <a:rPr lang="pt-BR" dirty="0" smtClean="0"/>
-              <a:t> </a:t>
-            </a:r>
-            <a:r>
-              <a:rPr lang="pt-BR" smtClean="0"/>
-              <a:t>(VC-V</a:t>
-            </a:r>
-            <a:r>
-              <a:rPr lang="pt-BR" dirty="0" smtClean="0"/>
-              <a:t>).</a:t>
+              <a:t> (VC-V).</a:t>
             </a:r>
             <a:endParaRPr lang="en-US" dirty="0"/>
           </a:p>
@@ -15093,14 +14835,10 @@
           <a:lstStyle/>
           <a:p>
             <a:r>
-              <a:rPr lang="en-US" altLang="pt-BR" dirty="0" err="1" smtClean="0">
-                <a:latin typeface="Calibri" pitchFamily="34" charset="0"/>
-              </a:rPr>
+              <a:rPr lang="en-US" altLang="pt-BR" dirty="0" err="1" smtClean="0"/>
               <a:t>Contribuições</a:t>
             </a:r>
-            <a:endParaRPr altLang="pt-BR" dirty="0">
-              <a:latin typeface="Calibri" pitchFamily="34" charset="0"/>
-            </a:endParaRPr>
+            <a:endParaRPr altLang="pt-BR" dirty="0"/>
           </a:p>
         </p:txBody>
       </p:sp>
@@ -15117,15 +14855,84 @@
         <p:spPr/>
         <p:txBody>
           <a:bodyPr>
-            <a:normAutofit/>
+            <a:normAutofit fontScale="92500" lnSpcReduction="10000"/>
           </a:bodyPr>
           <a:lstStyle/>
           <a:p>
             <a:pPr algn="just"/>
             <a:r>
               <a:rPr lang="pt-BR" dirty="0" smtClean="0"/>
-              <a:t>Facilidade na construção de novos algoritmos de segurança, roteamento e aplicações;</a:t>
-            </a:r>
+              <a:t>Facilidade na construção de novos algoritmos de segurança, roteamento e aplicações</a:t>
+            </a:r>
+            <a:r>
+              <a:rPr lang="pt-BR" dirty="0" smtClean="0"/>
+              <a:t>;</a:t>
+            </a:r>
+          </a:p>
+          <a:p>
+            <a:r>
+              <a:rPr lang="pt-BR" dirty="0" smtClean="0"/>
+              <a:t>Foi desenvolvido uma aplica</a:t>
+            </a:r>
+            <a:r>
+              <a:rPr lang="pt-BR" dirty="0" smtClean="0"/>
+              <a:t>ção</a:t>
+            </a:r>
+            <a:r>
+              <a:rPr lang="pt-BR" dirty="0" smtClean="0"/>
+              <a:t> para </a:t>
+            </a:r>
+            <a:r>
+              <a:rPr lang="pt-BR" dirty="0"/>
+              <a:t>detecção e alerta de congestionamento em cruzamentos </a:t>
+            </a:r>
+            <a:r>
+              <a:rPr lang="pt-BR" dirty="0" err="1"/>
+              <a:t>semaforizados</a:t>
+            </a:r>
+            <a:r>
+              <a:rPr lang="pt-BR" dirty="0"/>
+              <a:t> </a:t>
+            </a:r>
+            <a:r>
+              <a:rPr lang="pt-BR" dirty="0" smtClean="0"/>
+              <a:t>(prot</a:t>
+            </a:r>
+            <a:r>
+              <a:rPr lang="pt-BR" dirty="0" smtClean="0"/>
+              <a:t>ótipo</a:t>
+            </a:r>
+            <a:r>
+              <a:rPr lang="pt-BR" dirty="0" smtClean="0"/>
+              <a:t>)</a:t>
+            </a:r>
+            <a:r>
+              <a:rPr lang="pt-BR" dirty="0"/>
+              <a:t>;</a:t>
+            </a:r>
+          </a:p>
+          <a:p>
+            <a:r>
+              <a:rPr lang="pt-BR" dirty="0" smtClean="0"/>
+              <a:t>Foi Implementado uma </a:t>
+            </a:r>
+            <a:r>
+              <a:rPr lang="pt-BR" dirty="0"/>
+              <a:t>plataforma web de </a:t>
+            </a:r>
+            <a:r>
+              <a:rPr lang="pt-BR" dirty="0" smtClean="0"/>
+              <a:t>simulação de redes veiculares (</a:t>
+            </a:r>
+            <a:r>
+              <a:rPr lang="pt-BR" dirty="0"/>
+              <a:t>protótipo</a:t>
+            </a:r>
+            <a:r>
+              <a:rPr lang="pt-BR" dirty="0" smtClean="0"/>
+              <a:t>);</a:t>
+            </a:r>
+            <a:endParaRPr lang="pt-BR" dirty="0" smtClean="0"/>
           </a:p>
           <a:p>
             <a:pPr algn="just"/>
@@ -15260,14 +15067,10 @@
           <a:lstStyle/>
           <a:p>
             <a:r>
-              <a:rPr lang="en-US" altLang="pt-BR" dirty="0" err="1" smtClean="0">
-                <a:latin typeface="Calibri" pitchFamily="34" charset="0"/>
-              </a:rPr>
+              <a:rPr lang="en-US" altLang="pt-BR" dirty="0" err="1" smtClean="0"/>
               <a:t>Publicações</a:t>
             </a:r>
-            <a:endParaRPr altLang="pt-BR" dirty="0">
-              <a:latin typeface="Calibri" pitchFamily="34" charset="0"/>
-            </a:endParaRPr>
+            <a:endParaRPr altLang="pt-BR" dirty="0"/>
           </a:p>
         </p:txBody>
       </p:sp>
@@ -15531,14 +15334,10 @@
           <a:lstStyle/>
           <a:p>
             <a:r>
-              <a:rPr lang="en-US" altLang="pt-BR" dirty="0" err="1" smtClean="0">
-                <a:latin typeface="Calibri" pitchFamily="34" charset="0"/>
-              </a:rPr>
+              <a:rPr lang="en-US" altLang="pt-BR" dirty="0" err="1" smtClean="0"/>
               <a:t>Referências</a:t>
             </a:r>
-            <a:endParaRPr altLang="pt-BR" dirty="0">
-              <a:latin typeface="Calibri" pitchFamily="34" charset="0"/>
-            </a:endParaRPr>
+            <a:endParaRPr altLang="pt-BR" dirty="0"/>
           </a:p>
         </p:txBody>
       </p:sp>
@@ -15841,14 +15640,10 @@
           <a:lstStyle/>
           <a:p>
             <a:r>
-              <a:rPr lang="en-US" altLang="pt-BR" dirty="0" err="1">
-                <a:latin typeface="Calibri" pitchFamily="34" charset="0"/>
-              </a:rPr>
+              <a:rPr lang="en-US" altLang="pt-BR" dirty="0" err="1"/>
               <a:t>Referências</a:t>
             </a:r>
-            <a:endParaRPr altLang="pt-BR" dirty="0">
-              <a:latin typeface="Calibri" pitchFamily="34" charset="0"/>
-            </a:endParaRPr>
+            <a:endParaRPr altLang="pt-BR" dirty="0"/>
           </a:p>
         </p:txBody>
       </p:sp>
@@ -16157,14 +15952,10 @@
           <a:p>
             <a:pPr eaLnBrk="1" hangingPunct="1"/>
             <a:r>
-              <a:rPr lang="pt-BR" altLang="pt-BR" dirty="0" smtClean="0">
-                <a:latin typeface="Calibri" pitchFamily="34" charset="0"/>
-              </a:rPr>
+              <a:rPr lang="pt-BR" altLang="pt-BR" dirty="0" smtClean="0"/>
               <a:t>Introdução</a:t>
             </a:r>
-            <a:endParaRPr altLang="pt-BR" dirty="0">
-              <a:latin typeface="Calibri" pitchFamily="34" charset="0"/>
-            </a:endParaRPr>
+            <a:endParaRPr altLang="pt-BR" dirty="0"/>
           </a:p>
         </p:txBody>
       </p:sp>
@@ -16371,14 +16162,10 @@
           <a:lstStyle/>
           <a:p>
             <a:r>
-              <a:rPr lang="en-US" altLang="pt-BR" dirty="0" err="1">
-                <a:latin typeface="Calibri" pitchFamily="34" charset="0"/>
-              </a:rPr>
+              <a:rPr lang="en-US" altLang="pt-BR" dirty="0" err="1"/>
               <a:t>Referências</a:t>
             </a:r>
-            <a:endParaRPr altLang="pt-BR" dirty="0">
-              <a:latin typeface="Calibri" pitchFamily="34" charset="0"/>
-            </a:endParaRPr>
+            <a:endParaRPr altLang="pt-BR" dirty="0"/>
           </a:p>
         </p:txBody>
       </p:sp>
@@ -16793,16 +16580,16 @@
           <a:lstStyle/>
           <a:p>
             <a:r>
-              <a:rPr lang="en-US" altLang="pt-BR" sz="3200" dirty="0" smtClean="0">
+              <a:rPr lang="en-US" sz="3200" dirty="0" smtClean="0">
                 <a:latin typeface="Calibri" pitchFamily="34" charset="0"/>
               </a:rPr>
-              <a:t>g</a:t>
-            </a:r>
-            <a:r>
-              <a:rPr lang="pt-BR" altLang="pt-BR" sz="3200" dirty="0" err="1" smtClean="0">
+              <a:t>d</a:t>
+            </a:r>
+            <a:r>
+              <a:rPr lang="x-none" sz="3200" dirty="0" smtClean="0">
                 <a:latin typeface="Calibri" pitchFamily="34" charset="0"/>
               </a:rPr>
-              <a:t>eorge.junior@ifs.edu.br</a:t>
+              <a:t>ouglas.macedo@ufsc.br</a:t>
             </a:r>
             <a:endParaRPr lang="pt-BR" sz="3200" dirty="0"/>
           </a:p>
@@ -16810,7 +16597,7 @@
       </p:sp>
       <p:pic>
         <p:nvPicPr>
-          <p:cNvPr id="5" name="Imagem 4" descr="ufs.jpg"/>
+          <p:cNvPr id="8" name="Imagem 4" descr="ufs.jpg"/>
           <p:cNvPicPr>
             <a:picLocks noChangeAspect="1" noChangeArrowheads="1"/>
           </p:cNvPicPr>
@@ -16831,7 +16618,7 @@
         </p:blipFill>
         <p:spPr bwMode="auto">
           <a:xfrm>
-            <a:off x="118316" y="297723"/>
+            <a:off x="118316" y="1506488"/>
             <a:ext cx="742950" cy="914400"/>
           </a:xfrm>
           <a:prstGeom prst="rect">
@@ -16851,7 +16638,7 @@
       </p:pic>
       <p:sp>
         <p:nvSpPr>
-          <p:cNvPr id="6" name="Rectangle 3"/>
+          <p:cNvPr id="9" name="Rectangle 3"/>
           <p:cNvSpPr>
             <a:spLocks noChangeArrowheads="1"/>
           </p:cNvSpPr>
@@ -16859,8 +16646,8 @@
         </p:nvSpPr>
         <p:spPr bwMode="auto">
           <a:xfrm>
-            <a:off x="881157" y="277869"/>
-            <a:ext cx="6172908" cy="954107"/>
+            <a:off x="972235" y="1748244"/>
+            <a:ext cx="8171765" cy="430887"/>
           </a:xfrm>
           <a:prstGeom prst="rect">
             <a:avLst/>
@@ -16900,7 +16687,7 @@
           </a:extLst>
         </p:spPr>
         <p:txBody>
-          <a:bodyPr vert="horz" wrap="none" lIns="91440" tIns="45720" rIns="91440" bIns="45720" numCol="1" anchor="ctr" anchorCtr="0" compatLnSpc="1">
+          <a:bodyPr vert="horz" wrap="square" lIns="91440" tIns="45720" rIns="91440" bIns="45720" numCol="1" anchor="ctr" anchorCtr="0" compatLnSpc="1">
             <a:prstTxWarp prst="textNoShape">
               <a:avLst/>
             </a:prstTxWarp>
@@ -16908,7 +16695,7 @@
           </a:bodyPr>
           <a:lstStyle/>
           <a:p>
-            <a:pPr marL="0" marR="0" lvl="0" indent="0" algn="ctr" defTabSz="914400" rtl="0" eaLnBrk="0" fontAlgn="base" latinLnBrk="0" hangingPunct="0">
+            <a:pPr marL="0" marR="0" lvl="0" indent="0" defTabSz="914400" rtl="0" eaLnBrk="0" fontAlgn="base" latinLnBrk="0" hangingPunct="0">
               <a:lnSpc>
                 <a:spcPct val="100000"/>
               </a:lnSpc>
@@ -16937,7 +16724,22 @@
                 <a:ea typeface="Times New Roman" panose="02020603050405020304" pitchFamily="18" charset="0"/>
                 <a:cs typeface="Arial" panose="020B0604020202020204" pitchFamily="34" charset="0"/>
               </a:rPr>
-              <a:t>UNIVERSIDADE FEDERAL DE SERGIPE</a:t>
+              <a:t>UNIVERSIDADE FEDERAL DE </a:t>
+            </a:r>
+            <a:r>
+              <a:rPr kumimoji="0" lang="pt-BR" altLang="pt-BR" sz="2200" b="1" i="0" u="none" strike="noStrike" cap="none" normalizeH="0" baseline="0" dirty="0" smtClean="0">
+                <a:ln>
+                  <a:noFill/>
+                </a:ln>
+                <a:solidFill>
+                  <a:schemeClr val="tx1"/>
+                </a:solidFill>
+                <a:effectLst/>
+                <a:latin typeface="Arial" panose="020B0604020202020204" pitchFamily="34" charset="0"/>
+                <a:ea typeface="Times New Roman" panose="02020603050405020304" pitchFamily="18" charset="0"/>
+                <a:cs typeface="Arial" panose="020B0604020202020204" pitchFamily="34" charset="0"/>
+              </a:rPr>
+              <a:t>SERGIPE</a:t>
             </a:r>
             <a:endParaRPr kumimoji="0" lang="pt-BR" altLang="pt-BR" sz="800" b="0" i="0" u="none" strike="noStrike" cap="none" normalizeH="0" baseline="0" dirty="0" smtClean="0">
               <a:ln>
@@ -16949,8 +16751,68 @@
               <a:effectLst/>
             </a:endParaRPr>
           </a:p>
-          <a:p>
-            <a:pPr marL="0" marR="0" lvl="0" indent="0" algn="ctr" defTabSz="914400" rtl="0" eaLnBrk="0" fontAlgn="base" latinLnBrk="0" hangingPunct="0">
+        </p:txBody>
+      </p:sp>
+      <p:sp>
+        <p:nvSpPr>
+          <p:cNvPr id="10" name="Rectangle 3"/>
+          <p:cNvSpPr>
+            <a:spLocks noChangeArrowheads="1"/>
+          </p:cNvSpPr>
+          <p:nvPr/>
+        </p:nvSpPr>
+        <p:spPr bwMode="auto">
+          <a:xfrm>
+            <a:off x="971600" y="502404"/>
+            <a:ext cx="8172400" cy="430887"/>
+          </a:xfrm>
+          <a:prstGeom prst="rect">
+            <a:avLst/>
+          </a:prstGeom>
+          <a:noFill/>
+          <a:ln>
+            <a:noFill/>
+          </a:ln>
+          <a:effectLst/>
+          <a:extLst>
+            <a:ext uri="{909E8E84-426E-40dd-AFC4-6F175D3DCCD1}">
+              <a14:hiddenFill xmlns:a14="http://schemas.microsoft.com/office/drawing/2010/main">
+                <a:solidFill>
+                  <a:schemeClr val="accent1"/>
+                </a:solidFill>
+              </a14:hiddenFill>
+            </a:ext>
+            <a:ext uri="{91240B29-F687-4f45-9708-019B960494DF}">
+              <a14:hiddenLine xmlns:a14="http://schemas.microsoft.com/office/drawing/2010/main" w="9525">
+                <a:solidFill>
+                  <a:schemeClr val="tx1"/>
+                </a:solidFill>
+                <a:miter lim="800000"/>
+                <a:headEnd/>
+                <a:tailEnd/>
+              </a14:hiddenLine>
+            </a:ext>
+            <a:ext uri="{AF507438-7753-43e0-B8FC-AC1667EBCBE1}">
+              <a14:hiddenEffects xmlns:a14="http://schemas.microsoft.com/office/drawing/2010/main">
+                <a:effectLst>
+                  <a:outerShdw dist="35921" dir="2700000" algn="ctr" rotWithShape="0">
+                    <a:schemeClr val="bg2"/>
+                  </a:outerShdw>
+                </a:effectLst>
+              </a14:hiddenEffects>
+            </a:ext>
+          </a:extLst>
+        </p:spPr>
+        <p:txBody>
+          <a:bodyPr vert="horz" wrap="square" lIns="91440" tIns="45720" rIns="91440" bIns="45720" numCol="1" anchor="ctr" anchorCtr="0" compatLnSpc="1">
+            <a:prstTxWarp prst="textNoShape">
+              <a:avLst/>
+            </a:prstTxWarp>
+            <a:spAutoFit/>
+          </a:bodyPr>
+          <a:lstStyle/>
+          <a:p>
+            <a:pPr marL="0" marR="0" lvl="0" indent="0" defTabSz="914400" rtl="0" eaLnBrk="0" fontAlgn="base" latinLnBrk="0" hangingPunct="0">
               <a:lnSpc>
                 <a:spcPct val="100000"/>
               </a:lnSpc>
@@ -16967,7 +16829,7 @@
               <a:tabLst/>
             </a:pPr>
             <a:r>
-              <a:rPr kumimoji="0" lang="pt-BR" altLang="pt-BR" sz="1600" b="1" i="0" u="none" strike="noStrike" cap="none" normalizeH="0" baseline="0" dirty="0" smtClean="0">
+              <a:rPr kumimoji="0" lang="pt-BR" altLang="pt-BR" sz="2200" b="1" i="0" u="none" strike="noStrike" cap="none" normalizeH="0" baseline="0" dirty="0" smtClean="0">
                 <a:ln>
                   <a:noFill/>
                 </a:ln>
@@ -16979,97 +16841,15 @@
                 <a:ea typeface="Times New Roman" panose="02020603050405020304" pitchFamily="18" charset="0"/>
                 <a:cs typeface="Arial" panose="020B0604020202020204" pitchFamily="34" charset="0"/>
               </a:rPr>
-              <a:t>PR</a:t>
-            </a:r>
-            <a:r>
-              <a:rPr kumimoji="0" lang="pt-BR" altLang="pt-BR" sz="1600" b="1" i="0" u="none" strike="noStrike" cap="none" normalizeH="0" baseline="0" dirty="0" smtClean="0">
-                <a:ln>
-                  <a:noFill/>
-                </a:ln>
-                <a:solidFill>
-                  <a:schemeClr val="tx1"/>
-                </a:solidFill>
-                <a:effectLst/>
-                <a:latin typeface="Calibri" panose="020F0502020204030204" pitchFamily="34" charset="0"/>
-                <a:ea typeface="Times New Roman" panose="02020603050405020304" pitchFamily="18" charset="0"/>
-                <a:cs typeface="Arial" panose="020B0604020202020204" pitchFamily="34" charset="0"/>
-              </a:rPr>
-              <a:t>Ó</a:t>
-            </a:r>
-            <a:r>
-              <a:rPr kumimoji="0" lang="pt-BR" altLang="pt-BR" sz="1600" b="1" i="0" u="none" strike="noStrike" cap="none" normalizeH="0" baseline="0" dirty="0" smtClean="0">
-                <a:ln>
-                  <a:noFill/>
-                </a:ln>
-                <a:solidFill>
-                  <a:schemeClr val="tx1"/>
-                </a:solidFill>
-                <a:effectLst/>
+              <a:t>UNIVERSIDADE FEDERAL DE </a:t>
+            </a:r>
+            <a:r>
+              <a:rPr lang="pt-BR" altLang="pt-BR" sz="2200" b="1" dirty="0" smtClean="0">
                 <a:latin typeface="Arial" panose="020B0604020202020204" pitchFamily="34" charset="0"/>
                 <a:ea typeface="Times New Roman" panose="02020603050405020304" pitchFamily="18" charset="0"/>
                 <a:cs typeface="Arial" panose="020B0604020202020204" pitchFamily="34" charset="0"/>
               </a:rPr>
-              <a:t>-REITORIA DE P</a:t>
-            </a:r>
-            <a:r>
-              <a:rPr kumimoji="0" lang="pt-BR" altLang="pt-BR" sz="1600" b="1" i="0" u="none" strike="noStrike" cap="none" normalizeH="0" baseline="0" dirty="0" smtClean="0">
-                <a:ln>
-                  <a:noFill/>
-                </a:ln>
-                <a:solidFill>
-                  <a:schemeClr val="tx1"/>
-                </a:solidFill>
-                <a:effectLst/>
-                <a:latin typeface="Calibri" panose="020F0502020204030204" pitchFamily="34" charset="0"/>
-                <a:ea typeface="Times New Roman" panose="02020603050405020304" pitchFamily="18" charset="0"/>
-                <a:cs typeface="Arial" panose="020B0604020202020204" pitchFamily="34" charset="0"/>
-              </a:rPr>
-              <a:t>Ó</a:t>
-            </a:r>
-            <a:r>
-              <a:rPr kumimoji="0" lang="pt-BR" altLang="pt-BR" sz="1600" b="1" i="0" u="none" strike="noStrike" cap="none" normalizeH="0" baseline="0" dirty="0" smtClean="0">
-                <a:ln>
-                  <a:noFill/>
-                </a:ln>
-                <a:solidFill>
-                  <a:schemeClr val="tx1"/>
-                </a:solidFill>
-                <a:effectLst/>
-                <a:latin typeface="Arial" panose="020B0604020202020204" pitchFamily="34" charset="0"/>
-                <a:ea typeface="Times New Roman" panose="02020603050405020304" pitchFamily="18" charset="0"/>
-                <a:cs typeface="Arial" panose="020B0604020202020204" pitchFamily="34" charset="0"/>
-              </a:rPr>
-              <a:t>S-GRADUA</a:t>
-            </a:r>
-            <a:r>
-              <a:rPr kumimoji="0" lang="pt-BR" altLang="pt-BR" sz="1600" b="1" i="0" u="none" strike="noStrike" cap="none" normalizeH="0" baseline="0" dirty="0" smtClean="0">
-                <a:ln>
-                  <a:noFill/>
-                </a:ln>
-                <a:solidFill>
-                  <a:schemeClr val="tx1"/>
-                </a:solidFill>
-                <a:effectLst/>
-                <a:latin typeface="Calibri" panose="020F0502020204030204" pitchFamily="34" charset="0"/>
-                <a:ea typeface="Times New Roman" panose="02020603050405020304" pitchFamily="18" charset="0"/>
-                <a:cs typeface="Arial" panose="020B0604020202020204" pitchFamily="34" charset="0"/>
-              </a:rPr>
-              <a:t>Ç</a:t>
-            </a:r>
-            <a:r>
-              <a:rPr kumimoji="0" lang="pt-BR" altLang="pt-BR" sz="1600" b="1" i="0" u="none" strike="noStrike" cap="none" normalizeH="0" baseline="0" dirty="0" smtClean="0">
-                <a:ln>
-                  <a:noFill/>
-                </a:ln>
-                <a:solidFill>
-                  <a:schemeClr val="tx1"/>
-                </a:solidFill>
-                <a:effectLst/>
-                <a:latin typeface="Arial" panose="020B0604020202020204" pitchFamily="34" charset="0"/>
-                <a:ea typeface="Times New Roman" panose="02020603050405020304" pitchFamily="18" charset="0"/>
-                <a:cs typeface="Arial" panose="020B0604020202020204" pitchFamily="34" charset="0"/>
-              </a:rPr>
-              <a:t>ÃO E PESQUISA</a:t>
+              <a:t>SANTA CATARINA</a:t>
             </a:r>
             <a:endParaRPr kumimoji="0" lang="pt-BR" altLang="pt-BR" sz="800" b="0" i="0" u="none" strike="noStrike" cap="none" normalizeH="0" baseline="0" dirty="0" smtClean="0">
               <a:ln>
@@ -17081,163 +16861,13 @@
               <a:effectLst/>
             </a:endParaRPr>
           </a:p>
-          <a:p>
-            <a:pPr lvl="0" algn="ctr"/>
-            <a:r>
-              <a:rPr kumimoji="0" lang="pt-BR" altLang="pt-BR" sz="1600" b="1" i="0" u="none" strike="noStrike" cap="none" normalizeH="0" baseline="0" dirty="0" smtClean="0">
-                <a:ln>
-                  <a:noFill/>
-                </a:ln>
-                <a:solidFill>
-                  <a:schemeClr val="tx1"/>
-                </a:solidFill>
-                <a:effectLst/>
-                <a:latin typeface="Arial" panose="020B0604020202020204" pitchFamily="34" charset="0"/>
-                <a:ea typeface="Times New Roman" panose="02020603050405020304" pitchFamily="18" charset="0"/>
-                <a:cs typeface="Arial" panose="020B0604020202020204" pitchFamily="34" charset="0"/>
-              </a:rPr>
-              <a:t>N</a:t>
-            </a:r>
-            <a:r>
-              <a:rPr kumimoji="0" lang="pt-BR" altLang="pt-BR" sz="1600" b="1" i="0" u="none" strike="noStrike" cap="none" normalizeH="0" baseline="0" dirty="0" smtClean="0">
-                <a:ln>
-                  <a:noFill/>
-                </a:ln>
-                <a:solidFill>
-                  <a:schemeClr val="tx1"/>
-                </a:solidFill>
-                <a:effectLst/>
-                <a:latin typeface="Calibri" panose="020F0502020204030204" pitchFamily="34" charset="0"/>
-                <a:ea typeface="Times New Roman" panose="02020603050405020304" pitchFamily="18" charset="0"/>
-                <a:cs typeface="Arial" panose="020B0604020202020204" pitchFamily="34" charset="0"/>
-              </a:rPr>
-              <a:t>Ú</a:t>
-            </a:r>
-            <a:r>
-              <a:rPr kumimoji="0" lang="pt-BR" altLang="pt-BR" sz="1600" b="1" i="0" u="none" strike="noStrike" cap="none" normalizeH="0" baseline="0" dirty="0" smtClean="0">
-                <a:ln>
-                  <a:noFill/>
-                </a:ln>
-                <a:solidFill>
-                  <a:schemeClr val="tx1"/>
-                </a:solidFill>
-                <a:effectLst/>
-                <a:latin typeface="Arial" panose="020B0604020202020204" pitchFamily="34" charset="0"/>
-                <a:ea typeface="Times New Roman" panose="02020603050405020304" pitchFamily="18" charset="0"/>
-                <a:cs typeface="Arial" panose="020B0604020202020204" pitchFamily="34" charset="0"/>
-              </a:rPr>
-              <a:t>CLEO DE P</a:t>
-            </a:r>
-            <a:r>
-              <a:rPr kumimoji="0" lang="pt-BR" altLang="pt-BR" sz="1600" b="1" i="0" u="none" strike="noStrike" cap="none" normalizeH="0" baseline="0" dirty="0" smtClean="0">
-                <a:ln>
-                  <a:noFill/>
-                </a:ln>
-                <a:solidFill>
-                  <a:schemeClr val="tx1"/>
-                </a:solidFill>
-                <a:effectLst/>
-                <a:latin typeface="Calibri" panose="020F0502020204030204" pitchFamily="34" charset="0"/>
-                <a:ea typeface="Times New Roman" panose="02020603050405020304" pitchFamily="18" charset="0"/>
-                <a:cs typeface="Arial" panose="020B0604020202020204" pitchFamily="34" charset="0"/>
-              </a:rPr>
-              <a:t>Ó</a:t>
-            </a:r>
-            <a:r>
-              <a:rPr kumimoji="0" lang="pt-BR" altLang="pt-BR" sz="1600" b="1" i="0" u="none" strike="noStrike" cap="none" normalizeH="0" baseline="0" dirty="0" smtClean="0">
-                <a:ln>
-                  <a:noFill/>
-                </a:ln>
-                <a:solidFill>
-                  <a:schemeClr val="tx1"/>
-                </a:solidFill>
-                <a:effectLst/>
-                <a:latin typeface="Arial" panose="020B0604020202020204" pitchFamily="34" charset="0"/>
-                <a:ea typeface="Times New Roman" panose="02020603050405020304" pitchFamily="18" charset="0"/>
-                <a:cs typeface="Arial" panose="020B0604020202020204" pitchFamily="34" charset="0"/>
-              </a:rPr>
-              <a:t>S-GRADUA</a:t>
-            </a:r>
-            <a:r>
-              <a:rPr kumimoji="0" lang="pt-BR" altLang="pt-BR" sz="1600" b="1" i="0" u="none" strike="noStrike" cap="none" normalizeH="0" baseline="0" dirty="0" smtClean="0">
-                <a:ln>
-                  <a:noFill/>
-                </a:ln>
-                <a:solidFill>
-                  <a:schemeClr val="tx1"/>
-                </a:solidFill>
-                <a:effectLst/>
-                <a:latin typeface="Calibri" panose="020F0502020204030204" pitchFamily="34" charset="0"/>
-                <a:ea typeface="Times New Roman" panose="02020603050405020304" pitchFamily="18" charset="0"/>
-                <a:cs typeface="Arial" panose="020B0604020202020204" pitchFamily="34" charset="0"/>
-              </a:rPr>
-              <a:t>Ç</a:t>
-            </a:r>
-            <a:r>
-              <a:rPr kumimoji="0" lang="pt-BR" altLang="pt-BR" sz="1600" b="1" i="0" u="none" strike="noStrike" cap="none" normalizeH="0" baseline="0" dirty="0" smtClean="0">
-                <a:ln>
-                  <a:noFill/>
-                </a:ln>
-                <a:solidFill>
-                  <a:schemeClr val="tx1"/>
-                </a:solidFill>
-                <a:effectLst/>
-                <a:latin typeface="Arial" panose="020B0604020202020204" pitchFamily="34" charset="0"/>
-                <a:ea typeface="Times New Roman" panose="02020603050405020304" pitchFamily="18" charset="0"/>
-                <a:cs typeface="Arial" panose="020B0604020202020204" pitchFamily="34" charset="0"/>
-              </a:rPr>
-              <a:t>ÃO </a:t>
-            </a:r>
-            <a:r>
-              <a:rPr kumimoji="0" lang="pt-BR" altLang="pt-BR" sz="1600" b="1" i="0" u="none" strike="noStrike" cap="none" normalizeH="0" baseline="0" dirty="0" smtClean="0">
-                <a:ln>
-                  <a:noFill/>
-                </a:ln>
-                <a:solidFill>
-                  <a:schemeClr val="tx1"/>
-                </a:solidFill>
-                <a:effectLst/>
-                <a:latin typeface="Calibri" panose="020F0502020204030204" pitchFamily="34" charset="0"/>
-                <a:ea typeface="Times New Roman" panose="02020603050405020304" pitchFamily="18" charset="0"/>
-                <a:cs typeface="Calibri" panose="020F0502020204030204" pitchFamily="34" charset="0"/>
-              </a:rPr>
-              <a:t>EM</a:t>
-            </a:r>
-            <a:r>
-              <a:rPr lang="pt-BR" altLang="pt-BR" b="1" dirty="0">
-                <a:latin typeface="Calibri" panose="020F0502020204030204" pitchFamily="34" charset="0"/>
-                <a:ea typeface="Times New Roman" panose="02020603050405020304" pitchFamily="18" charset="0"/>
-                <a:cs typeface="Calibri" panose="020F0502020204030204" pitchFamily="34" charset="0"/>
-              </a:rPr>
-              <a:t> CIÊNCIA DA </a:t>
-            </a:r>
-            <a:r>
-              <a:rPr lang="pt-BR" altLang="pt-BR" b="1" dirty="0" smtClean="0">
-                <a:latin typeface="Calibri" panose="020F0502020204030204" pitchFamily="34" charset="0"/>
-                <a:ea typeface="Times New Roman" panose="02020603050405020304" pitchFamily="18" charset="0"/>
-                <a:cs typeface="Calibri" panose="020F0502020204030204" pitchFamily="34" charset="0"/>
-              </a:rPr>
-              <a:t>COMPUTAÇÃO</a:t>
-            </a:r>
-            <a:endParaRPr kumimoji="0" lang="pt-BR" altLang="pt-BR" sz="1800" b="0" i="0" u="none" strike="noStrike" cap="none" normalizeH="0" baseline="0" dirty="0" smtClean="0">
-              <a:ln>
-                <a:noFill/>
-              </a:ln>
-              <a:solidFill>
-                <a:schemeClr val="tx1"/>
-              </a:solidFill>
-              <a:effectLst/>
-              <a:latin typeface="Calibri" panose="020F0502020204030204" pitchFamily="34" charset="0"/>
-              <a:cs typeface="Calibri" panose="020F0502020204030204" pitchFamily="34" charset="0"/>
-            </a:endParaRPr>
-          </a:p>
         </p:txBody>
       </p:sp>
       <p:pic>
         <p:nvPicPr>
-          <p:cNvPr id="7" name="Picture 5" descr="https://www.sigaa.ufs.br/sigaa/verFoto?idFoto=345074&amp;key=98fcdc08d4fa7d0f7bcd4a1fdc16effc"/>
+          <p:cNvPr id="11" name="Picture 10" descr="brasao_ufsc.png"/>
           <p:cNvPicPr>
-            <a:picLocks noChangeAspect="1" noChangeArrowheads="1"/>
+            <a:picLocks noChangeAspect="1"/>
           </p:cNvPicPr>
           <p:nvPr/>
         </p:nvPicPr>
@@ -17249,29 +16879,18 @@
               </a:ext>
             </a:extLst>
           </a:blip>
-          <a:srcRect/>
           <a:stretch>
             <a:fillRect/>
           </a:stretch>
         </p:blipFill>
-        <p:spPr bwMode="auto">
-          <a:xfrm>
-            <a:off x="7115907" y="241976"/>
-            <a:ext cx="1704565" cy="971515"/>
+        <p:spPr>
+          <a:xfrm>
+            <a:off x="107504" y="188640"/>
+            <a:ext cx="883920" cy="965200"/>
           </a:xfrm>
           <a:prstGeom prst="rect">
             <a:avLst/>
           </a:prstGeom>
-          <a:noFill/>
-          <a:extLst>
-            <a:ext uri="{909E8E84-426E-40dd-AFC4-6F175D3DCCD1}">
-              <a14:hiddenFill xmlns:a14="http://schemas.microsoft.com/office/drawing/2010/main">
-                <a:solidFill>
-                  <a:srgbClr val="FFFFFF"/>
-                </a:solidFill>
-              </a14:hiddenFill>
-            </a:ext>
-          </a:extLst>
         </p:spPr>
       </p:pic>
     </p:spTree>
@@ -17336,14 +16955,14 @@
           <a:p>
             <a:pPr eaLnBrk="1" hangingPunct="1"/>
             <a:r>
-              <a:rPr lang="pt-BR" altLang="pt-BR" sz="3800" dirty="0" smtClean="0">
-                <a:latin typeface="Calibri" pitchFamily="34" charset="0"/>
-              </a:rPr>
-              <a:t>Problema de Pesquisa</a:t>
-            </a:r>
-            <a:endParaRPr altLang="pt-BR" sz="3800" i="1" dirty="0">
-              <a:latin typeface="Calibri" pitchFamily="34" charset="0"/>
-            </a:endParaRPr>
+              <a:rPr lang="pt-BR" altLang="pt-BR" sz="4000" dirty="0" smtClean="0"/>
+              <a:t>Problema</a:t>
+            </a:r>
+            <a:r>
+              <a:rPr lang="pt-BR" altLang="pt-BR" sz="3800" dirty="0" smtClean="0"/>
+              <a:t> de Pesquisa</a:t>
+            </a:r>
+            <a:endParaRPr altLang="pt-BR" sz="3800" i="1" dirty="0"/>
           </a:p>
         </p:txBody>
       </p:sp>
@@ -17601,14 +17220,10 @@
           <a:p>
             <a:pPr eaLnBrk="1" hangingPunct="1"/>
             <a:r>
-              <a:rPr lang="pt-BR" altLang="pt-BR" sz="3800" dirty="0" smtClean="0">
-                <a:latin typeface="Calibri" pitchFamily="34" charset="0"/>
-              </a:rPr>
+              <a:rPr lang="pt-BR" altLang="pt-BR" sz="4000" dirty="0" smtClean="0"/>
               <a:t>Justificativa</a:t>
             </a:r>
-            <a:endParaRPr altLang="pt-BR" sz="3800" i="1" dirty="0">
-              <a:latin typeface="Calibri" pitchFamily="34" charset="0"/>
-            </a:endParaRPr>
+            <a:endParaRPr altLang="pt-BR" sz="4000" i="1" dirty="0"/>
           </a:p>
         </p:txBody>
       </p:sp>
@@ -17865,14 +17480,10 @@
           <a:p>
             <a:pPr eaLnBrk="1" hangingPunct="1"/>
             <a:r>
-              <a:rPr lang="pt-BR" altLang="pt-BR" sz="3800" dirty="0" smtClean="0">
-                <a:latin typeface="Calibri" pitchFamily="34" charset="0"/>
-              </a:rPr>
+              <a:rPr lang="pt-BR" altLang="pt-BR" sz="4000" dirty="0" smtClean="0"/>
               <a:t>Objetivos</a:t>
             </a:r>
-            <a:endParaRPr altLang="pt-BR" sz="3800" i="1" dirty="0">
-              <a:latin typeface="Calibri" pitchFamily="34" charset="0"/>
-            </a:endParaRPr>
+            <a:endParaRPr altLang="pt-BR" sz="4000" i="1" dirty="0"/>
           </a:p>
         </p:txBody>
       </p:sp>
@@ -18111,14 +17722,10 @@
           <a:p>
             <a:pPr eaLnBrk="1" hangingPunct="1"/>
             <a:r>
-              <a:rPr lang="pt-BR" altLang="pt-BR" sz="3800" dirty="0" smtClean="0">
-                <a:latin typeface="Calibri" pitchFamily="34" charset="0"/>
-              </a:rPr>
+              <a:rPr lang="pt-BR" altLang="pt-BR" sz="4000" dirty="0" smtClean="0"/>
               <a:t>Objetivos</a:t>
             </a:r>
-            <a:endParaRPr altLang="pt-BR" sz="3800" i="1" dirty="0">
-              <a:latin typeface="Calibri" pitchFamily="34" charset="0"/>
-            </a:endParaRPr>
+            <a:endParaRPr altLang="pt-BR" sz="4000" i="1" dirty="0"/>
           </a:p>
         </p:txBody>
       </p:sp>
@@ -18377,14 +17984,10 @@
           <a:p>
             <a:pPr eaLnBrk="1" hangingPunct="1"/>
             <a:r>
-              <a:rPr lang="pt-BR" altLang="pt-BR" sz="3800" dirty="0" smtClean="0">
-                <a:latin typeface="Calibri" pitchFamily="34" charset="0"/>
-              </a:rPr>
+              <a:rPr lang="pt-BR" altLang="pt-BR" sz="4000" dirty="0" smtClean="0"/>
               <a:t>Trabalhos Relacionados</a:t>
             </a:r>
-            <a:endParaRPr altLang="pt-BR" sz="3800" i="1" dirty="0">
-              <a:latin typeface="Calibri" pitchFamily="34" charset="0"/>
-            </a:endParaRPr>
+            <a:endParaRPr altLang="pt-BR" sz="4000" i="1" dirty="0"/>
           </a:p>
         </p:txBody>
       </p:sp>
@@ -18631,34 +18234,6 @@
       </p:grpSpPr>
       <p:sp>
         <p:nvSpPr>
-          <p:cNvPr id="19458" name="Rectangle 1"/>
-          <p:cNvSpPr>
-            <a:spLocks noGrp="1"/>
-          </p:cNvSpPr>
-          <p:nvPr>
-            <p:ph type="title"/>
-          </p:nvPr>
-        </p:nvSpPr>
-        <p:spPr/>
-        <p:txBody>
-          <a:bodyPr/>
-          <a:lstStyle/>
-          <a:p>
-            <a:pPr eaLnBrk="1" hangingPunct="1"/>
-            <a:r>
-              <a:rPr lang="pt-BR" altLang="pt-BR" sz="3800" dirty="0" smtClean="0">
-                <a:latin typeface="Calibri" pitchFamily="34" charset="0"/>
-              </a:rPr>
-              <a:t>Arquitetura de Software Proposta</a:t>
-            </a:r>
-            <a:endParaRPr altLang="pt-BR" sz="2400" i="1" dirty="0">
-              <a:latin typeface="Calibri" pitchFamily="34" charset="0"/>
-            </a:endParaRPr>
-          </a:p>
-        </p:txBody>
-      </p:sp>
-      <p:sp>
-        <p:nvSpPr>
           <p:cNvPr id="9" name="Content Placeholder 8"/>
           <p:cNvSpPr>
             <a:spLocks noGrp="1"/>
@@ -18975,6 +18550,35 @@
           </a:prstGeom>
         </p:spPr>
       </p:pic>
+      <p:sp>
+        <p:nvSpPr>
+          <p:cNvPr id="11" name="Rectangle 1"/>
+          <p:cNvSpPr>
+            <a:spLocks noGrp="1"/>
+          </p:cNvSpPr>
+          <p:nvPr>
+            <p:ph type="title"/>
+          </p:nvPr>
+        </p:nvSpPr>
+        <p:spPr>
+          <a:xfrm>
+            <a:off x="612648" y="228600"/>
+            <a:ext cx="8153400" cy="990600"/>
+          </a:xfrm>
+        </p:spPr>
+        <p:txBody>
+          <a:bodyPr/>
+          <a:lstStyle/>
+          <a:p>
+            <a:pPr eaLnBrk="1" hangingPunct="1"/>
+            <a:r>
+              <a:rPr lang="pt-BR" altLang="pt-BR" sz="4000" dirty="0" smtClean="0"/>
+              <a:t>Arquitetura de Software Proposta</a:t>
+            </a:r>
+            <a:endParaRPr altLang="pt-BR" sz="4000" i="1" dirty="0"/>
+          </a:p>
+        </p:txBody>
+      </p:sp>
     </p:spTree>
   </p:cSld>
   <p:clrMapOvr>
